--- a/branches/extended/2-Java-Programmer-Modulo-II/10.Capitulo04.pptx
+++ b/branches/extended/2-Java-Programmer-Modulo-II/10.Capitulo04.pptx
@@ -293,7 +293,7 @@
               <a:pPr>
                 <a:defRPr/>
               </a:pPr>
-              <a:t>20/5/2012</a:t>
+              <a:t>24/09/2012</a:t>
             </a:fld>
             <a:endParaRPr lang="pt-BR"/>
           </a:p>
@@ -481,7 +481,7 @@
               <a:pPr>
                 <a:defRPr/>
               </a:pPr>
-              <a:t>‹nº›</a:t>
+              <a:t>‹#›</a:t>
             </a:fld>
             <a:endParaRPr lang="pt-BR"/>
           </a:p>
@@ -5493,7 +5493,7 @@
               <a:pPr>
                 <a:defRPr/>
               </a:pPr>
-              <a:t>20/5/2012</a:t>
+              <a:t>24/09/2012</a:t>
             </a:fld>
             <a:endParaRPr lang="pt-BR"/>
           </a:p>
@@ -5552,7 +5552,7 @@
               <a:pPr>
                 <a:defRPr/>
               </a:pPr>
-              <a:t>‹nº›</a:t>
+              <a:t>‹#›</a:t>
             </a:fld>
             <a:endParaRPr lang="pt-BR"/>
           </a:p>
@@ -5685,7 +5685,7 @@
               <a:pPr>
                 <a:defRPr/>
               </a:pPr>
-              <a:t>20/5/2012</a:t>
+              <a:t>24/09/2012</a:t>
             </a:fld>
             <a:endParaRPr lang="pt-BR"/>
           </a:p>
@@ -5744,7 +5744,7 @@
               <a:pPr>
                 <a:defRPr/>
               </a:pPr>
-              <a:t>‹nº›</a:t>
+              <a:t>‹#›</a:t>
             </a:fld>
             <a:endParaRPr lang="pt-BR"/>
           </a:p>
@@ -5887,7 +5887,7 @@
               <a:pPr>
                 <a:defRPr/>
               </a:pPr>
-              <a:t>20/5/2012</a:t>
+              <a:t>24/09/2012</a:t>
             </a:fld>
             <a:endParaRPr lang="pt-BR"/>
           </a:p>
@@ -5946,7 +5946,7 @@
               <a:pPr>
                 <a:defRPr/>
               </a:pPr>
-              <a:t>‹nº›</a:t>
+              <a:t>‹#›</a:t>
             </a:fld>
             <a:endParaRPr lang="pt-BR"/>
           </a:p>
@@ -5987,7 +5987,12 @@
             <p:ph type="title"/>
           </p:nvPr>
         </p:nvSpPr>
-        <p:spPr/>
+        <p:spPr>
+          <a:xfrm>
+            <a:off x="457200" y="274638"/>
+            <a:ext cx="8329642" cy="1143000"/>
+          </a:xfrm>
+        </p:spPr>
         <p:txBody>
           <a:bodyPr/>
           <a:lstStyle>
@@ -5997,10 +6002,10 @@
           </a:lstStyle>
           <a:p>
             <a:r>
-              <a:rPr lang="pt-BR" smtClean="0"/>
+              <a:rPr lang="pt-BR" dirty="0" smtClean="0"/>
               <a:t>Clique para editar o estilo do título mestre</a:t>
             </a:r>
-            <a:endParaRPr lang="en-US"/>
+            <a:endParaRPr lang="en-US" dirty="0"/>
           </a:p>
         </p:txBody>
       </p:sp>
@@ -6083,7 +6088,7 @@
               <a:pPr>
                 <a:defRPr/>
               </a:pPr>
-              <a:t>20/5/2012</a:t>
+              <a:t>24/09/2012</a:t>
             </a:fld>
             <a:endParaRPr lang="pt-BR"/>
           </a:p>
@@ -6142,7 +6147,7 @@
               <a:pPr>
                 <a:defRPr/>
               </a:pPr>
-              <a:t>‹nº›</a:t>
+              <a:t>‹#›</a:t>
             </a:fld>
             <a:endParaRPr lang="pt-BR"/>
           </a:p>
@@ -6589,7 +6594,7 @@
               <a:pPr>
                 <a:defRPr/>
               </a:pPr>
-              <a:t>20/5/2012</a:t>
+              <a:t>24/09/2012</a:t>
             </a:fld>
             <a:endParaRPr lang="pt-BR"/>
           </a:p>
@@ -6648,7 +6653,7 @@
               <a:pPr>
                 <a:defRPr/>
               </a:pPr>
-              <a:t>‹nº›</a:t>
+              <a:t>‹#›</a:t>
             </a:fld>
             <a:endParaRPr lang="pt-BR"/>
           </a:p>
@@ -6880,7 +6885,7 @@
               <a:pPr>
                 <a:defRPr/>
               </a:pPr>
-              <a:t>20/5/2012</a:t>
+              <a:t>24/09/2012</a:t>
             </a:fld>
             <a:endParaRPr lang="pt-BR"/>
           </a:p>
@@ -6939,7 +6944,7 @@
               <a:pPr>
                 <a:defRPr/>
               </a:pPr>
-              <a:t>‹nº›</a:t>
+              <a:t>‹#›</a:t>
             </a:fld>
             <a:endParaRPr lang="pt-BR"/>
           </a:p>
@@ -7281,7 +7286,7 @@
               <a:pPr>
                 <a:defRPr/>
               </a:pPr>
-              <a:t>20/5/2012</a:t>
+              <a:t>24/09/2012</a:t>
             </a:fld>
             <a:endParaRPr lang="pt-BR"/>
           </a:p>
@@ -7340,7 +7345,7 @@
               <a:pPr>
                 <a:defRPr/>
               </a:pPr>
-              <a:t>‹nº›</a:t>
+              <a:t>‹#›</a:t>
             </a:fld>
             <a:endParaRPr lang="pt-BR"/>
           </a:p>
@@ -7430,7 +7435,7 @@
               <a:pPr>
                 <a:defRPr/>
               </a:pPr>
-              <a:t>20/5/2012</a:t>
+              <a:t>24/09/2012</a:t>
             </a:fld>
             <a:endParaRPr lang="pt-BR"/>
           </a:p>
@@ -7489,7 +7494,7 @@
               <a:pPr>
                 <a:defRPr/>
               </a:pPr>
-              <a:t>‹nº›</a:t>
+              <a:t>‹#›</a:t>
             </a:fld>
             <a:endParaRPr lang="pt-BR"/>
           </a:p>
@@ -7547,7 +7552,7 @@
               <a:pPr>
                 <a:defRPr/>
               </a:pPr>
-              <a:t>20/5/2012</a:t>
+              <a:t>24/09/2012</a:t>
             </a:fld>
             <a:endParaRPr lang="pt-BR"/>
           </a:p>
@@ -7606,7 +7611,7 @@
               <a:pPr>
                 <a:defRPr/>
               </a:pPr>
-              <a:t>‹nº›</a:t>
+              <a:t>‹#›</a:t>
             </a:fld>
             <a:endParaRPr lang="pt-BR"/>
           </a:p>
@@ -7823,7 +7828,7 @@
               <a:pPr>
                 <a:defRPr/>
               </a:pPr>
-              <a:t>20/5/2012</a:t>
+              <a:t>24/09/2012</a:t>
             </a:fld>
             <a:endParaRPr lang="pt-BR"/>
           </a:p>
@@ -7887,7 +7892,7 @@
               <a:pPr>
                 <a:defRPr/>
               </a:pPr>
-              <a:t>‹nº›</a:t>
+              <a:t>‹#›</a:t>
             </a:fld>
             <a:endParaRPr lang="pt-BR"/>
           </a:p>
@@ -8107,7 +8112,7 @@
               <a:pPr>
                 <a:defRPr/>
               </a:pPr>
-              <a:t>20/5/2012</a:t>
+              <a:t>24/09/2012</a:t>
             </a:fld>
             <a:endParaRPr lang="pt-BR"/>
           </a:p>
@@ -8166,7 +8171,7 @@
               <a:pPr>
                 <a:defRPr/>
               </a:pPr>
-              <a:t>‹nº›</a:t>
+              <a:t>‹#›</a:t>
             </a:fld>
             <a:endParaRPr lang="pt-BR"/>
           </a:p>
@@ -8585,7 +8590,7 @@
               <a:pPr>
                 <a:defRPr/>
               </a:pPr>
-              <a:t>20/5/2012</a:t>
+              <a:t>24/09/2012</a:t>
             </a:fld>
             <a:endParaRPr lang="pt-BR"/>
           </a:p>
@@ -8688,7 +8693,7 @@
               <a:pPr>
                 <a:defRPr/>
               </a:pPr>
-              <a:t>‹nº›</a:t>
+              <a:t>‹#›</a:t>
             </a:fld>
             <a:endParaRPr lang="pt-BR"/>
           </a:p>
